--- a/A_Star/A*.pptx
+++ b/A_Star/A*.pptx
@@ -116,6 +116,11 @@
       </a:defRPr>
     </a:lvl9pPr>
   </p:defaultTextStyle>
+  <p:extLst>
+    <p:ext uri="{EFAFB233-063F-42B5-8137-9DF3F51BA10A}">
+      <p15:sldGuideLst xmlns:p15="http://schemas.microsoft.com/office/powerpoint/2012/main"/>
+    </p:ext>
+  </p:extLst>
 </p:presentation>
 </file>
 
@@ -699,7 +704,7 @@
           <a:p>
             <a:fld id="{982C184D-646A-124D-B108-BF22C2CA80AF}" type="datetimeFigureOut">
               <a:rPr lang="ru-RU" smtClean="0"/>
-              <a:t>26.11.2022</a:t>
+              <a:t>27.11.2022</a:t>
             </a:fld>
             <a:endParaRPr lang="ru-RU"/>
           </a:p>
@@ -897,7 +902,7 @@
           <a:p>
             <a:fld id="{982C184D-646A-124D-B108-BF22C2CA80AF}" type="datetimeFigureOut">
               <a:rPr lang="ru-RU" smtClean="0"/>
-              <a:t>26.11.2022</a:t>
+              <a:t>27.11.2022</a:t>
             </a:fld>
             <a:endParaRPr lang="ru-RU"/>
           </a:p>
@@ -1105,7 +1110,7 @@
           <a:p>
             <a:fld id="{982C184D-646A-124D-B108-BF22C2CA80AF}" type="datetimeFigureOut">
               <a:rPr lang="ru-RU" smtClean="0"/>
-              <a:t>26.11.2022</a:t>
+              <a:t>27.11.2022</a:t>
             </a:fld>
             <a:endParaRPr lang="ru-RU"/>
           </a:p>
@@ -1303,7 +1308,7 @@
           <a:p>
             <a:fld id="{982C184D-646A-124D-B108-BF22C2CA80AF}" type="datetimeFigureOut">
               <a:rPr lang="ru-RU" smtClean="0"/>
-              <a:t>26.11.2022</a:t>
+              <a:t>27.11.2022</a:t>
             </a:fld>
             <a:endParaRPr lang="ru-RU"/>
           </a:p>
@@ -1578,7 +1583,7 @@
           <a:p>
             <a:fld id="{982C184D-646A-124D-B108-BF22C2CA80AF}" type="datetimeFigureOut">
               <a:rPr lang="ru-RU" smtClean="0"/>
-              <a:t>26.11.2022</a:t>
+              <a:t>27.11.2022</a:t>
             </a:fld>
             <a:endParaRPr lang="ru-RU"/>
           </a:p>
@@ -1843,7 +1848,7 @@
           <a:p>
             <a:fld id="{982C184D-646A-124D-B108-BF22C2CA80AF}" type="datetimeFigureOut">
               <a:rPr lang="ru-RU" smtClean="0"/>
-              <a:t>26.11.2022</a:t>
+              <a:t>27.11.2022</a:t>
             </a:fld>
             <a:endParaRPr lang="ru-RU"/>
           </a:p>
@@ -2255,7 +2260,7 @@
           <a:p>
             <a:fld id="{982C184D-646A-124D-B108-BF22C2CA80AF}" type="datetimeFigureOut">
               <a:rPr lang="ru-RU" smtClean="0"/>
-              <a:t>26.11.2022</a:t>
+              <a:t>27.11.2022</a:t>
             </a:fld>
             <a:endParaRPr lang="ru-RU"/>
           </a:p>
@@ -2396,7 +2401,7 @@
           <a:p>
             <a:fld id="{982C184D-646A-124D-B108-BF22C2CA80AF}" type="datetimeFigureOut">
               <a:rPr lang="ru-RU" smtClean="0"/>
-              <a:t>26.11.2022</a:t>
+              <a:t>27.11.2022</a:t>
             </a:fld>
             <a:endParaRPr lang="ru-RU"/>
           </a:p>
@@ -2509,7 +2514,7 @@
           <a:p>
             <a:fld id="{982C184D-646A-124D-B108-BF22C2CA80AF}" type="datetimeFigureOut">
               <a:rPr lang="ru-RU" smtClean="0"/>
-              <a:t>26.11.2022</a:t>
+              <a:t>27.11.2022</a:t>
             </a:fld>
             <a:endParaRPr lang="ru-RU"/>
           </a:p>
@@ -2820,7 +2825,7 @@
           <a:p>
             <a:fld id="{982C184D-646A-124D-B108-BF22C2CA80AF}" type="datetimeFigureOut">
               <a:rPr lang="ru-RU" smtClean="0"/>
-              <a:t>26.11.2022</a:t>
+              <a:t>27.11.2022</a:t>
             </a:fld>
             <a:endParaRPr lang="ru-RU"/>
           </a:p>
@@ -3108,7 +3113,7 @@
           <a:p>
             <a:fld id="{982C184D-646A-124D-B108-BF22C2CA80AF}" type="datetimeFigureOut">
               <a:rPr lang="ru-RU" smtClean="0"/>
-              <a:t>26.11.2022</a:t>
+              <a:t>27.11.2022</a:t>
             </a:fld>
             <a:endParaRPr lang="ru-RU"/>
           </a:p>
@@ -3349,7 +3354,7 @@
           <a:p>
             <a:fld id="{982C184D-646A-124D-B108-BF22C2CA80AF}" type="datetimeFigureOut">
               <a:rPr lang="ru-RU" smtClean="0"/>
-              <a:t>26.11.2022</a:t>
+              <a:t>27.11.2022</a:t>
             </a:fld>
             <a:endParaRPr lang="ru-RU"/>
           </a:p>
@@ -6146,19 +6151,19 @@
           <a:lstStyle/>
           <a:p>
             <a:r>
-              <a:rPr lang="ru-RU" sz="2200" b="0" i="0" u="none" strike="noStrike">
+              <a:rPr lang="ru-RU" sz="2200" b="0" i="0" u="none" strike="noStrike" dirty="0">
                 <a:effectLst/>
               </a:rPr>
-              <a:t>обходит при этом минимальное количество вершин, благодаря тому, что он работает с </a:t>
-            </a:r>
-            <a:r>
-              <a:rPr lang="ru-RU" sz="2200" b="0" i="1" u="none" strike="noStrike">
+              <a:t>обходит минимальное количество вершин, благодаря тому, что он работает с </a:t>
+            </a:r>
+            <a:r>
+              <a:rPr lang="ru-RU" sz="2200" b="0" i="1" u="none" strike="noStrike" dirty="0">
                 <a:effectLst/>
               </a:rPr>
               <a:t>«оптимистичной»</a:t>
             </a:r>
             <a:r>
-              <a:rPr lang="ru-RU" sz="2200" b="0" i="0" u="none" strike="noStrike">
+              <a:rPr lang="ru-RU" sz="2200" b="0" i="0" u="none" strike="noStrike" dirty="0">
                 <a:effectLst/>
               </a:rPr>
               <a:t> оценкой пути через вершину</a:t>
@@ -6166,13 +6171,13 @@
           </a:p>
           <a:p>
             <a:r>
-              <a:rPr lang="en" sz="2200" b="0" i="0" u="none" strike="noStrike">
+              <a:rPr lang="en" sz="2200" b="0" i="0" u="none" strike="noStrike" dirty="0">
                 <a:effectLst/>
               </a:rPr>
               <a:t>A* </a:t>
             </a:r>
             <a:r>
-              <a:rPr lang="ru-RU" sz="2200" b="0" i="0" u="none" strike="noStrike">
+              <a:rPr lang="ru-RU" sz="2200" b="0" i="0" u="none" strike="noStrike" dirty="0">
                 <a:effectLst/>
               </a:rPr>
               <a:t>минимизирует длину пути</a:t>
@@ -6180,25 +6185,25 @@
           </a:p>
           <a:p>
             <a:r>
-              <a:rPr lang="en" sz="2200" b="0" i="0" u="none" strike="noStrike">
+              <a:rPr lang="en" sz="2200" b="0" i="0" u="none" strike="noStrike" dirty="0">
                 <a:effectLst/>
                 <a:latin typeface="Arial" panose="020B0604020202020204" pitchFamily="34" charset="0"/>
               </a:rPr>
               <a:t> </a:t>
             </a:r>
             <a:r>
-              <a:rPr lang="en" sz="2200" b="0" i="0" u="none" strike="noStrike">
+              <a:rPr lang="en" sz="2200" b="0" i="0" u="none" strike="noStrike" dirty="0">
                 <a:effectLst/>
               </a:rPr>
               <a:t>A* </a:t>
             </a:r>
             <a:r>
-              <a:rPr lang="ru-RU" sz="2200" b="0" i="0" u="none" strike="noStrike">
+              <a:rPr lang="ru-RU" sz="2200" b="0" i="0" u="none" strike="noStrike" dirty="0">
                 <a:effectLst/>
               </a:rPr>
               <a:t>проходит наименьшее количество вершин графа среди допустимых алгоритмов, использующих такую же точную (или менее точную) эвристику</a:t>
             </a:r>
-            <a:endParaRPr lang="ru-RU" sz="2200"/>
+            <a:endParaRPr lang="ru-RU" sz="2200" dirty="0"/>
           </a:p>
         </p:txBody>
       </p:sp>
@@ -7794,8 +7799,8 @@
           </a:p>
         </p:txBody>
       </p:sp>
-      <mc:AlternateContent xmlns:mc="http://schemas.openxmlformats.org/markup-compatibility/2006">
-        <mc:Choice xmlns:a14="http://schemas.microsoft.com/office/drawing/2010/main" Requires="a14">
+      <mc:AlternateContent xmlns:mc="http://schemas.openxmlformats.org/markup-compatibility/2006" xmlns:a14="http://schemas.microsoft.com/office/drawing/2010/main">
+        <mc:Choice Requires="a14">
           <p:sp>
             <p:nvSpPr>
               <p:cNvPr id="3" name="Объект 2">
@@ -8042,7 +8047,7 @@
             </p:txBody>
           </p:sp>
         </mc:Choice>
-        <mc:Fallback>
+        <mc:Fallback xmlns="">
           <p:sp>
             <p:nvSpPr>
               <p:cNvPr id="3" name="Объект 2">
@@ -8857,8 +8862,8 @@
           </a:p>
         </p:txBody>
       </p:sp>
-      <mc:AlternateContent xmlns:mc="http://schemas.openxmlformats.org/markup-compatibility/2006">
-        <mc:Choice xmlns:a14="http://schemas.microsoft.com/office/drawing/2010/main" Requires="a14">
+      <mc:AlternateContent xmlns:mc="http://schemas.openxmlformats.org/markup-compatibility/2006" xmlns:a14="http://schemas.microsoft.com/office/drawing/2010/main">
+        <mc:Choice Requires="a14">
           <p:sp>
             <p:nvSpPr>
               <p:cNvPr id="3" name="Объект 2">
@@ -9185,7 +9190,7 @@
             </p:txBody>
           </p:sp>
         </mc:Choice>
-        <mc:Fallback>
+        <mc:Fallback xmlns="">
           <p:sp>
             <p:nvSpPr>
               <p:cNvPr id="3" name="Объект 2">
@@ -10035,31 +10040,31 @@
                   <a:buAutoNum type="arabicParenR"/>
                 </a:pPr>
                 <a:r>
-                  <a:rPr lang="ru-RU" sz="2200"/>
+                  <a:rPr lang="ru-RU" sz="2200" dirty="0"/>
                   <a:t>Добавляем стартовую вершину</a:t>
                 </a:r>
                 <a:r>
-                  <a:rPr lang="en-US" sz="2200"/>
+                  <a:rPr lang="en-US" sz="2200" dirty="0"/>
                   <a:t> </a:t>
                 </a:r>
                 <a:r>
-                  <a:rPr lang="en-US" sz="2200" i="1"/>
+                  <a:rPr lang="en-US" sz="2200" i="1" dirty="0"/>
                   <a:t>s</a:t>
                 </a:r>
                 <a:r>
-                  <a:rPr lang="ru-RU" sz="2200"/>
+                  <a:rPr lang="ru-RU" sz="2200" dirty="0"/>
                   <a:t> в множество рассматриваемых вершин </a:t>
                 </a:r>
                 <a:r>
-                  <a:rPr lang="en-US" sz="2200" i="1"/>
+                  <a:rPr lang="en-US" sz="2200" i="1" dirty="0"/>
                   <a:t>U</a:t>
                 </a:r>
                 <a:r>
-                  <a:rPr lang="en-US" sz="2200"/>
+                  <a:rPr lang="en-US" sz="2200" dirty="0"/>
                   <a:t>. </a:t>
                 </a:r>
                 <a:r>
-                  <a:rPr lang="ru-RU" sz="2200"/>
+                  <a:rPr lang="ru-RU" sz="2200" dirty="0"/>
                   <a:t>Полагаем </a:t>
                 </a:r>
                 <a14:m>
@@ -10096,7 +10101,7 @@
                   </m:oMath>
                 </a14:m>
                 <a:r>
-                  <a:rPr lang="en-US" sz="2200"/>
+                  <a:rPr lang="en-US" sz="2200" dirty="0"/>
                   <a:t>, </a:t>
                 </a:r>
                 <a14:m>
@@ -10162,7 +10167,7 @@
                   </m:oMath>
                 </a14:m>
                 <a:r>
-                  <a:rPr lang="ru-RU" sz="2200"/>
+                  <a:rPr lang="ru-RU" sz="2200" dirty="0"/>
                   <a:t> </a:t>
                 </a:r>
               </a:p>
@@ -10172,39 +10177,39 @@
                   <a:buAutoNum type="arabicParenR"/>
                 </a:pPr>
                 <a:r>
-                  <a:rPr lang="ru-RU" sz="2200"/>
+                  <a:rPr lang="ru-RU" sz="2200" dirty="0"/>
                   <a:t>Пока </a:t>
                 </a:r>
                 <a:r>
-                  <a:rPr lang="en-US" sz="2200" i="1"/>
+                  <a:rPr lang="en-US" sz="2200" i="1" dirty="0"/>
                   <a:t>U </a:t>
                 </a:r>
                 <a:r>
-                  <a:rPr lang="ru-RU" sz="2200"/>
+                  <a:rPr lang="ru-RU" sz="2200" dirty="0"/>
                   <a:t>не пусто, выбираем из </a:t>
                 </a:r>
                 <a:r>
-                  <a:rPr lang="en-US" sz="2200" i="1"/>
+                  <a:rPr lang="en-US" sz="2200" i="1" dirty="0"/>
                   <a:t>U</a:t>
                 </a:r>
                 <a:r>
-                  <a:rPr lang="ru-RU" sz="2200" i="1"/>
+                  <a:rPr lang="ru-RU" sz="2200" i="1" dirty="0"/>
                   <a:t> </a:t>
                 </a:r>
                 <a:r>
-                  <a:rPr lang="ru-RU" sz="2200"/>
+                  <a:rPr lang="ru-RU" sz="2200" dirty="0"/>
                   <a:t>вершину </a:t>
                 </a:r>
                 <a:r>
-                  <a:rPr lang="en-US" sz="2200" i="1"/>
+                  <a:rPr lang="en-US" sz="2200" i="1" dirty="0"/>
                   <a:t>x </a:t>
                 </a:r>
                 <a:r>
-                  <a:rPr lang="ru-RU" sz="2200"/>
+                  <a:rPr lang="ru-RU" sz="2200" dirty="0"/>
                   <a:t>с </a:t>
                 </a:r>
                 <a:r>
-                  <a:rPr lang="en-US" sz="2200"/>
+                  <a:rPr lang="en-US" sz="2200" dirty="0"/>
                   <a:t>min </a:t>
                 </a:r>
                 <a14:m>
@@ -10235,30 +10240,38 @@
                   </m:oMath>
                 </a14:m>
                 <a:r>
-                  <a:rPr lang="en-US" sz="2200" i="1"/>
+                  <a:rPr lang="en-US" sz="2200" i="1" dirty="0"/>
                   <a:t>, </a:t>
                 </a:r>
                 <a:r>
-                  <a:rPr lang="ru-RU" sz="2200"/>
+                  <a:rPr lang="ru-RU" sz="2200" dirty="0"/>
                   <a:t>добавляем ее в множество рассмотренных вершин </a:t>
                 </a:r>
                 <a:r>
-                  <a:rPr lang="en-US" sz="2200" i="1"/>
+                  <a:rPr lang="en-US" sz="2200" i="1" dirty="0"/>
                   <a:t>Q</a:t>
                 </a:r>
                 <a:r>
-                  <a:rPr lang="ru-RU" sz="2200"/>
-                  <a:t>, просматриваем ее соседей при этом:</a:t>
+                  <a:rPr lang="ru-RU" sz="2200" dirty="0"/>
+                  <a:t>, просматриваем ее соседей</a:t>
+                </a:r>
+                <a:r>
+                  <a:rPr lang="en-US" sz="2200" dirty="0"/>
+                  <a:t>, </a:t>
+                </a:r>
+                <a:r>
+                  <a:rPr lang="ru-RU" sz="2200" dirty="0"/>
+                  <a:t>при этом:</a:t>
                 </a:r>
               </a:p>
               <a:p>
                 <a:pPr lvl="1"/>
                 <a:r>
-                  <a:rPr lang="ru-RU" sz="2200"/>
+                  <a:rPr lang="ru-RU" sz="2200" dirty="0"/>
                   <a:t>Если сосед</a:t>
                 </a:r>
                 <a:r>
-                  <a:rPr lang="en-US" sz="2200"/>
+                  <a:rPr lang="en-US" sz="2200" dirty="0"/>
                   <a:t> </a:t>
                 </a:r>
                 <a14:m>
@@ -10291,15 +10304,15 @@
                   </m:oMath>
                 </a14:m>
                 <a:r>
-                  <a:rPr lang="ru-RU" sz="2200"/>
+                  <a:rPr lang="ru-RU" sz="2200" dirty="0"/>
                   <a:t> ранее просматривался</a:t>
                 </a:r>
                 <a:r>
-                  <a:rPr lang="en-US" sz="2200"/>
+                  <a:rPr lang="en-US" sz="2200" dirty="0"/>
                   <a:t> </a:t>
                 </a:r>
                 <a:r>
-                  <a:rPr lang="ru-RU" sz="2200"/>
+                  <a:rPr lang="ru-RU" sz="2200" dirty="0"/>
                   <a:t>и </a:t>
                 </a:r>
                 <a14:m>
@@ -10463,18 +10476,18 @@
                   </m:oMath>
                 </a14:m>
                 <a:r>
-                  <a:rPr lang="en-US" sz="2200"/>
+                  <a:rPr lang="en-US" sz="2200" dirty="0"/>
                   <a:t> </a:t>
                 </a:r>
                 <a:r>
-                  <a:rPr lang="ru-RU" sz="2200"/>
+                  <a:rPr lang="ru-RU" sz="2200" dirty="0"/>
                   <a:t>то переходим к следующему</a:t>
                 </a:r>
               </a:p>
               <a:p>
                 <a:pPr lvl="1"/>
                 <a:r>
-                  <a:rPr lang="ru-RU" sz="2200"/>
+                  <a:rPr lang="ru-RU" sz="2200" dirty="0"/>
                   <a:t>Если сосед </a:t>
                 </a:r>
                 <a14:m>
@@ -10507,15 +10520,15 @@
                   </m:oMath>
                 </a14:m>
                 <a:r>
-                  <a:rPr lang="ru-RU" sz="2200"/>
+                  <a:rPr lang="ru-RU" sz="2200" dirty="0"/>
                   <a:t> не просматривался</a:t>
                 </a:r>
                 <a:r>
-                  <a:rPr lang="ru-RU" sz="2200" i="1"/>
+                  <a:rPr lang="ru-RU" sz="2200" i="1" dirty="0"/>
                   <a:t> </a:t>
                 </a:r>
                 <a:r>
-                  <a:rPr lang="ru-RU" sz="2200"/>
+                  <a:rPr lang="ru-RU" sz="2200" dirty="0"/>
                   <a:t>или значение </a:t>
                 </a:r>
                 <a14:m>
@@ -10668,7 +10681,7 @@
                   </m:oMath>
                 </a14:m>
                 <a:r>
-                  <a:rPr lang="ru-RU" sz="2200"/>
+                  <a:rPr lang="ru-RU" sz="2200" dirty="0"/>
                   <a:t>, то меняем предка </a:t>
                 </a:r>
                 <a14:m>
@@ -10701,11 +10714,11 @@
                   </m:oMath>
                 </a14:m>
                 <a:r>
-                  <a:rPr lang="en-US" sz="2200"/>
+                  <a:rPr lang="en-US" sz="2200" dirty="0"/>
                   <a:t> </a:t>
                 </a:r>
                 <a:r>
-                  <a:rPr lang="ru-RU" sz="2200"/>
+                  <a:rPr lang="ru-RU" sz="2200" dirty="0"/>
                   <a:t>на </a:t>
                 </a:r>
                 <a14:m>
@@ -10719,11 +10732,11 @@
                   </m:oMath>
                 </a14:m>
                 <a:r>
-                  <a:rPr lang="en-US" sz="2200"/>
+                  <a:rPr lang="en-US" sz="2200" dirty="0"/>
                   <a:t> </a:t>
                 </a:r>
                 <a:r>
-                  <a:rPr lang="ru-RU" sz="2200"/>
+                  <a:rPr lang="ru-RU" sz="2200" dirty="0"/>
                   <a:t>и пересчитываем значения </a:t>
                 </a:r>
                 <a14:m>
@@ -10773,7 +10786,7 @@
                   </m:oMath>
                 </a14:m>
                 <a:r>
-                  <a:rPr lang="ru-RU" sz="2200"/>
+                  <a:rPr lang="ru-RU" sz="2200" dirty="0"/>
                   <a:t>, </a:t>
                 </a:r>
                 <a14:m>
@@ -10829,7 +10842,7 @@
                   </m:oMath>
                 </a14:m>
                 <a:r>
-                  <a:rPr lang="ru-RU" sz="2200"/>
+                  <a:rPr lang="ru-RU" sz="2200" dirty="0"/>
                   <a:t> Если </a:t>
                 </a:r>
                 <a14:m>
@@ -10862,38 +10875,38 @@
                   </m:oMath>
                 </a14:m>
                 <a:r>
-                  <a:rPr lang="en-US" sz="2200"/>
+                  <a:rPr lang="en-US" sz="2200" dirty="0"/>
                   <a:t> </a:t>
                 </a:r>
                 <a:r>
-                  <a:rPr lang="ru-RU" sz="2200"/>
+                  <a:rPr lang="ru-RU" sz="2200" dirty="0"/>
                   <a:t>не принадлежит </a:t>
                 </a:r>
                 <a:r>
-                  <a:rPr lang="en-US" sz="2200" i="1"/>
+                  <a:rPr lang="en-US" sz="2200" i="1" dirty="0"/>
                   <a:t>U</a:t>
                 </a:r>
                 <a:r>
-                  <a:rPr lang="ru-RU" sz="2200" i="1"/>
+                  <a:rPr lang="ru-RU" sz="2200" i="1" dirty="0"/>
                   <a:t>,</a:t>
                 </a:r>
                 <a:r>
-                  <a:rPr lang="en-US" sz="2200" i="1"/>
+                  <a:rPr lang="en-US" sz="2200" i="1" dirty="0"/>
                   <a:t> </a:t>
                 </a:r>
                 <a:r>
-                  <a:rPr lang="ru-RU" sz="2200"/>
+                  <a:rPr lang="ru-RU" sz="2200" dirty="0"/>
                   <a:t>то добавляем ее в </a:t>
                 </a:r>
                 <a:r>
-                  <a:rPr lang="en-US" sz="2200" i="1"/>
+                  <a:rPr lang="en-US" sz="2200" i="1" dirty="0"/>
                   <a:t>U</a:t>
                 </a:r>
                 <a:r>
-                  <a:rPr lang="ru-RU" sz="2200" i="1"/>
+                  <a:rPr lang="ru-RU" sz="2200" i="1" dirty="0"/>
                   <a:t>.</a:t>
                 </a:r>
-                <a:endParaRPr lang="ru-RU" sz="2200"/>
+                <a:endParaRPr lang="ru-RU" sz="2200" dirty="0"/>
               </a:p>
             </p:txBody>
           </p:sp>
@@ -11893,7 +11906,7 @@
         </p:blipFill>
         <p:spPr>
           <a:xfrm>
-            <a:off x="481946" y="1115609"/>
+            <a:off x="4317673" y="1171369"/>
             <a:ext cx="3529109" cy="2496844"/>
           </a:xfrm>
           <a:prstGeom prst="rect">
@@ -11925,7 +11938,7 @@
         </p:blipFill>
         <p:spPr>
           <a:xfrm>
-            <a:off x="4332788" y="1116559"/>
+            <a:off x="637940" y="1173269"/>
             <a:ext cx="3526424" cy="2494944"/>
           </a:xfrm>
           <a:prstGeom prst="rect">
